--- a/Maven.pptx
+++ b/Maven.pptx
@@ -781,7 +781,7 @@
             <a:fld id="{100A3043-998B-4D12-B890-019C5CA11EEC}" type="datetimeFigureOut">
               <a:rPr lang="en-IN" smtClean="0"/>
               <a:pPr/>
-              <a:t>07-01-2019</a:t>
+              <a:t>08-01-2019</a:t>
             </a:fld>
             <a:endParaRPr lang="en-IN"/>
           </a:p>
@@ -966,7 +966,7 @@
             <a:fld id="{100A3043-998B-4D12-B890-019C5CA11EEC}" type="datetimeFigureOut">
               <a:rPr lang="en-IN" smtClean="0"/>
               <a:pPr/>
-              <a:t>07-01-2019</a:t>
+              <a:t>08-01-2019</a:t>
             </a:fld>
             <a:endParaRPr lang="en-IN"/>
           </a:p>
@@ -1143,7 +1143,7 @@
             <a:fld id="{100A3043-998B-4D12-B890-019C5CA11EEC}" type="datetimeFigureOut">
               <a:rPr lang="en-IN" smtClean="0"/>
               <a:pPr/>
-              <a:t>07-01-2019</a:t>
+              <a:t>08-01-2019</a:t>
             </a:fld>
             <a:endParaRPr lang="en-IN"/>
           </a:p>
@@ -1310,7 +1310,7 @@
             <a:fld id="{100A3043-998B-4D12-B890-019C5CA11EEC}" type="datetimeFigureOut">
               <a:rPr lang="en-IN" smtClean="0"/>
               <a:pPr/>
-              <a:t>07-01-2019</a:t>
+              <a:t>08-01-2019</a:t>
             </a:fld>
             <a:endParaRPr lang="en-IN"/>
           </a:p>
@@ -1533,7 +1533,7 @@
             <a:fld id="{100A3043-998B-4D12-B890-019C5CA11EEC}" type="datetimeFigureOut">
               <a:rPr lang="en-IN" smtClean="0"/>
               <a:pPr/>
-              <a:t>07-01-2019</a:t>
+              <a:t>08-01-2019</a:t>
             </a:fld>
             <a:endParaRPr lang="en-IN"/>
           </a:p>
@@ -1794,7 +1794,7 @@
             <a:fld id="{100A3043-998B-4D12-B890-019C5CA11EEC}" type="datetimeFigureOut">
               <a:rPr lang="en-IN" smtClean="0"/>
               <a:pPr/>
-              <a:t>07-01-2019</a:t>
+              <a:t>08-01-2019</a:t>
             </a:fld>
             <a:endParaRPr lang="en-IN"/>
           </a:p>
@@ -2200,7 +2200,7 @@
             <a:fld id="{100A3043-998B-4D12-B890-019C5CA11EEC}" type="datetimeFigureOut">
               <a:rPr lang="en-IN" smtClean="0"/>
               <a:pPr/>
-              <a:t>07-01-2019</a:t>
+              <a:t>08-01-2019</a:t>
             </a:fld>
             <a:endParaRPr lang="en-IN"/>
           </a:p>
@@ -2333,7 +2333,7 @@
             <a:fld id="{100A3043-998B-4D12-B890-019C5CA11EEC}" type="datetimeFigureOut">
               <a:rPr lang="en-IN" smtClean="0"/>
               <a:pPr/>
-              <a:t>07-01-2019</a:t>
+              <a:t>08-01-2019</a:t>
             </a:fld>
             <a:endParaRPr lang="en-IN"/>
           </a:p>
@@ -2435,7 +2435,7 @@
             <a:fld id="{100A3043-998B-4D12-B890-019C5CA11EEC}" type="datetimeFigureOut">
               <a:rPr lang="en-IN" smtClean="0"/>
               <a:pPr/>
-              <a:t>07-01-2019</a:t>
+              <a:t>08-01-2019</a:t>
             </a:fld>
             <a:endParaRPr lang="en-IN"/>
           </a:p>
@@ -2682,7 +2682,7 @@
             <a:fld id="{100A3043-998B-4D12-B890-019C5CA11EEC}" type="datetimeFigureOut">
               <a:rPr lang="en-IN" smtClean="0"/>
               <a:pPr/>
-              <a:t>07-01-2019</a:t>
+              <a:t>08-01-2019</a:t>
             </a:fld>
             <a:endParaRPr lang="en-IN"/>
           </a:p>
@@ -2928,7 +2928,7 @@
             <a:fld id="{100A3043-998B-4D12-B890-019C5CA11EEC}" type="datetimeFigureOut">
               <a:rPr lang="en-IN" smtClean="0"/>
               <a:pPr/>
-              <a:t>07-01-2019</a:t>
+              <a:t>08-01-2019</a:t>
             </a:fld>
             <a:endParaRPr lang="en-IN"/>
           </a:p>
@@ -3754,7 +3754,7 @@
             <a:fld id="{100A3043-998B-4D12-B890-019C5CA11EEC}" type="datetimeFigureOut">
               <a:rPr lang="en-IN" smtClean="0"/>
               <a:pPr/>
-              <a:t>07-01-2019</a:t>
+              <a:t>08-01-2019</a:t>
             </a:fld>
             <a:endParaRPr lang="en-IN"/>
           </a:p>
@@ -4786,7 +4786,15 @@
             </a:r>
             <a:r>
               <a:rPr lang="en-IN" dirty="0" smtClean="0"/>
-              <a:t> –p dev</a:t>
+              <a:t> </a:t>
+            </a:r>
+            <a:r>
+              <a:rPr lang="en-IN" dirty="0" smtClean="0"/>
+              <a:t>clean install –P </a:t>
+            </a:r>
+            <a:r>
+              <a:rPr lang="en-IN" dirty="0" smtClean="0"/>
+              <a:t>dev</a:t>
             </a:r>
             <a:endParaRPr lang="en-IN" dirty="0"/>
           </a:p>
